--- a/11&12-JS-OOP/11&12-JS-OOP.pptx
+++ b/11&12-JS-OOP/11&12-JS-OOP.pptx
@@ -228,7 +228,7 @@
           <a:p>
             <a:fld id="{2E054F57-E93D-4CC3-8A27-2F256E70BB98}" type="datetimeFigureOut">
               <a:rPr lang="en-US" smtClean="0"/>
-              <a:t>7/8/2016</a:t>
+              <a:t>7/9/2016</a:t>
             </a:fld>
             <a:endParaRPr lang="en-US"/>
           </a:p>
@@ -677,7 +677,7 @@
           <a:p>
             <a:fld id="{3EA744D9-3FBE-48D8-BF2A-85DF203E4D20}" type="datetimeFigureOut">
               <a:rPr lang="bg-BG" smtClean="0"/>
-              <a:t>8.7.2016 г.</a:t>
+              <a:t>9.7.2016 г.</a:t>
             </a:fld>
             <a:endParaRPr lang="bg-BG"/>
           </a:p>
@@ -847,7 +847,7 @@
           <a:p>
             <a:fld id="{3EA744D9-3FBE-48D8-BF2A-85DF203E4D20}" type="datetimeFigureOut">
               <a:rPr lang="bg-BG" smtClean="0"/>
-              <a:t>8.7.2016 г.</a:t>
+              <a:t>9.7.2016 г.</a:t>
             </a:fld>
             <a:endParaRPr lang="bg-BG"/>
           </a:p>
@@ -1027,7 +1027,7 @@
           <a:p>
             <a:fld id="{3EA744D9-3FBE-48D8-BF2A-85DF203E4D20}" type="datetimeFigureOut">
               <a:rPr lang="bg-BG" smtClean="0"/>
-              <a:t>8.7.2016 г.</a:t>
+              <a:t>9.7.2016 г.</a:t>
             </a:fld>
             <a:endParaRPr lang="bg-BG"/>
           </a:p>
@@ -1197,7 +1197,7 @@
           <a:p>
             <a:fld id="{3EA744D9-3FBE-48D8-BF2A-85DF203E4D20}" type="datetimeFigureOut">
               <a:rPr lang="bg-BG" smtClean="0"/>
-              <a:t>8.7.2016 г.</a:t>
+              <a:t>9.7.2016 г.</a:t>
             </a:fld>
             <a:endParaRPr lang="bg-BG"/>
           </a:p>
@@ -1443,7 +1443,7 @@
           <a:p>
             <a:fld id="{3EA744D9-3FBE-48D8-BF2A-85DF203E4D20}" type="datetimeFigureOut">
               <a:rPr lang="bg-BG" smtClean="0"/>
-              <a:t>8.7.2016 г.</a:t>
+              <a:t>9.7.2016 г.</a:t>
             </a:fld>
             <a:endParaRPr lang="bg-BG"/>
           </a:p>
@@ -1731,7 +1731,7 @@
           <a:p>
             <a:fld id="{3EA744D9-3FBE-48D8-BF2A-85DF203E4D20}" type="datetimeFigureOut">
               <a:rPr lang="bg-BG" smtClean="0"/>
-              <a:t>8.7.2016 г.</a:t>
+              <a:t>9.7.2016 г.</a:t>
             </a:fld>
             <a:endParaRPr lang="bg-BG"/>
           </a:p>
@@ -2153,7 +2153,7 @@
           <a:p>
             <a:fld id="{3EA744D9-3FBE-48D8-BF2A-85DF203E4D20}" type="datetimeFigureOut">
               <a:rPr lang="bg-BG" smtClean="0"/>
-              <a:t>8.7.2016 г.</a:t>
+              <a:t>9.7.2016 г.</a:t>
             </a:fld>
             <a:endParaRPr lang="bg-BG"/>
           </a:p>
@@ -2271,7 +2271,7 @@
           <a:p>
             <a:fld id="{3EA744D9-3FBE-48D8-BF2A-85DF203E4D20}" type="datetimeFigureOut">
               <a:rPr lang="bg-BG" smtClean="0"/>
-              <a:t>8.7.2016 г.</a:t>
+              <a:t>9.7.2016 г.</a:t>
             </a:fld>
             <a:endParaRPr lang="bg-BG"/>
           </a:p>
@@ -2366,7 +2366,7 @@
           <a:p>
             <a:fld id="{3EA744D9-3FBE-48D8-BF2A-85DF203E4D20}" type="datetimeFigureOut">
               <a:rPr lang="bg-BG" smtClean="0"/>
-              <a:t>8.7.2016 г.</a:t>
+              <a:t>9.7.2016 г.</a:t>
             </a:fld>
             <a:endParaRPr lang="bg-BG"/>
           </a:p>
@@ -2643,7 +2643,7 @@
           <a:p>
             <a:fld id="{3EA744D9-3FBE-48D8-BF2A-85DF203E4D20}" type="datetimeFigureOut">
               <a:rPr lang="bg-BG" smtClean="0"/>
-              <a:t>8.7.2016 г.</a:t>
+              <a:t>9.7.2016 г.</a:t>
             </a:fld>
             <a:endParaRPr lang="bg-BG"/>
           </a:p>
@@ -2896,7 +2896,7 @@
           <a:p>
             <a:fld id="{3EA744D9-3FBE-48D8-BF2A-85DF203E4D20}" type="datetimeFigureOut">
               <a:rPr lang="bg-BG" smtClean="0"/>
-              <a:t>8.7.2016 г.</a:t>
+              <a:t>9.7.2016 г.</a:t>
             </a:fld>
             <a:endParaRPr lang="bg-BG"/>
           </a:p>
@@ -3118,7 +3118,7 @@
           <a:p>
             <a:fld id="{3EA744D9-3FBE-48D8-BF2A-85DF203E4D20}" type="datetimeFigureOut">
               <a:rPr lang="bg-BG" smtClean="0"/>
-              <a:t>8.7.2016 г.</a:t>
+              <a:t>9.7.2016 г.</a:t>
             </a:fld>
             <a:endParaRPr lang="bg-BG"/>
           </a:p>
@@ -3699,11 +3699,6 @@
               </a:rPr>
               <a:t>https://bg.wikipedia.org/wiki/%D0%9E%D0%B1%D0%B5%D0%BA%D1%82%D0%BD%D0%BE-%D0%BE%D1%80%D0%B8%D0%B5%D0%BD%D1%82%D0%B8%D1%80%D0%B0%D0%BD%D0%BE_%D0%BF%D1%80%D0%BE%D0%B3%D1%80%D0%B0%D0%BC%D0%B8%D1%80%D0%B0%D0%BD%D0%B5</a:t>
             </a:r>
-            <a:endParaRPr lang="en-US" dirty="0">
-              <a:solidFill>
-                <a:srgbClr val="002060"/>
-              </a:solidFill>
-            </a:endParaRPr>
           </a:p>
         </p:txBody>
       </p:sp>
@@ -3910,15 +3905,7 @@
                   <a:schemeClr val="accent6"/>
                 </a:solidFill>
               </a:rPr>
-              <a:t>ООП </a:t>
-            </a:r>
-            <a:r>
-              <a:rPr lang="bg-BG" dirty="0" smtClean="0">
-                <a:solidFill>
-                  <a:schemeClr val="accent6"/>
-                </a:solidFill>
-              </a:rPr>
-              <a:t>в </a:t>
+              <a:t>ООП в </a:t>
             </a:r>
             <a:r>
               <a:rPr lang="en-US" dirty="0" smtClean="0">
@@ -4068,11 +4055,6 @@
               </a:rPr>
               <a:t> 1.6 )</a:t>
             </a:r>
-            <a:endParaRPr lang="en-US" dirty="0">
-              <a:solidFill>
-                <a:schemeClr val="bg1"/>
-              </a:solidFill>
-            </a:endParaRPr>
           </a:p>
         </p:txBody>
       </p:sp>
@@ -4142,15 +4124,7 @@
                   <a:schemeClr val="accent6"/>
                 </a:solidFill>
               </a:rPr>
-              <a:t>ООП </a:t>
-            </a:r>
-            <a:r>
-              <a:rPr lang="bg-BG" dirty="0" smtClean="0">
-                <a:solidFill>
-                  <a:schemeClr val="accent6"/>
-                </a:solidFill>
-              </a:rPr>
-              <a:t>в </a:t>
+              <a:t>ООП в </a:t>
             </a:r>
             <a:r>
               <a:rPr lang="en-US" dirty="0" smtClean="0">
@@ -4690,11 +4664,6 @@
               </a:rPr>
               <a:t>property / method </a:t>
             </a:r>
-            <a:endParaRPr lang="en-US" dirty="0">
-              <a:solidFill>
-                <a:schemeClr val="bg1"/>
-              </a:solidFill>
-            </a:endParaRPr>
           </a:p>
         </p:txBody>
       </p:sp>
